--- a/powerpoints/Roc_Day15 - Threads.pptx
+++ b/powerpoints/Roc_Day15 - Threads.pptx
@@ -26832,7 +26832,7 @@
                 <a:latin typeface="+mj-lt"/>
                 <a:cs typeface="Courier New" panose="02070309020205020404" pitchFamily="49" charset="0"/>
               </a:rPr>
-              <a:t>i.e. if object 2 sets a value to null, then it should be completed after object 1 performs operations that requires the information.</a:t>
+              <a:t>i.e. if thread 2 sets a value to null, then it should be completed after thread 1 performs operations that requires the information.</a:t>
             </a:r>
           </a:p>
           <a:p>
@@ -27089,7 +27089,7 @@
                 <a:latin typeface="+mj-lt"/>
                 <a:cs typeface="Courier New" panose="02070309020205020404" pitchFamily="49" charset="0"/>
               </a:rPr>
-              <a:t>Both of these scenarios lead to </a:t>
+              <a:t>Both scenarios lead to </a:t>
             </a:r>
             <a:r>
               <a:rPr lang="en-US" b="1" dirty="0">
